--- a/Presentation/Презентация Microsoft PowerPoint.pptx
+++ b/Presentation/Презентация Microsoft PowerPoint.pptx
@@ -5,8 +5,14 @@
     <p:sldMasterId id="2147483648" r:id="rId1"/>
   </p:sldMasterIdLst>
   <p:sldIdLst>
-    <p:sldId id="256" r:id="rId2"/>
-    <p:sldId id="257" r:id="rId3"/>
+    <p:sldId id="258" r:id="rId2"/>
+    <p:sldId id="259" r:id="rId3"/>
+    <p:sldId id="256" r:id="rId4"/>
+    <p:sldId id="257" r:id="rId5"/>
+    <p:sldId id="262" r:id="rId6"/>
+    <p:sldId id="260" r:id="rId7"/>
+    <p:sldId id="261" r:id="rId8"/>
+    <p:sldId id="263" r:id="rId9"/>
   </p:sldIdLst>
   <p:sldSz cx="12192000" cy="6858000"/>
   <p:notesSz cx="6858000" cy="9144000"/>
@@ -105,7 +111,52 @@
       </a:defRPr>
     </a:lvl9pPr>
   </p:defaultTextStyle>
+  <p:extLst>
+    <p:ext uri="{EFAFB233-063F-42B5-8137-9DF3F51BA10A}">
+      <p15:sldGuideLst xmlns:p15="http://schemas.microsoft.com/office/powerpoint/2012/main"/>
+    </p:ext>
+  </p:extLst>
 </p:presentation>
+</file>
+
+<file path=ppt/commentAuthors.xml><?xml version="1.0" encoding="utf-8"?>
+<p:cmAuthorLst xmlns:a="http://schemas.openxmlformats.org/drawingml/2006/main" xmlns:r="http://schemas.openxmlformats.org/officeDocument/2006/relationships" xmlns:p="http://schemas.openxmlformats.org/presentationml/2006/main">
+  <p:cmAuthor id="1" name="Пользователь Windows" initials="ПW" lastIdx="1" clrIdx="0">
+    <p:extLst>
+      <p:ext uri="{19B8F6BF-5375-455C-9EA6-DF929625EA0E}">
+        <p15:presenceInfo xmlns:p15="http://schemas.microsoft.com/office/powerpoint/2012/main" userId="Пользователь Windows" providerId="None"/>
+      </p:ext>
+    </p:extLst>
+  </p:cmAuthor>
+</p:cmAuthorLst>
+</file>
+
+<file path=ppt/comments/comment1.xml><?xml version="1.0" encoding="utf-8"?>
+<p:cmLst xmlns:a="http://schemas.openxmlformats.org/drawingml/2006/main" xmlns:r="http://schemas.openxmlformats.org/officeDocument/2006/relationships" xmlns:p="http://schemas.openxmlformats.org/presentationml/2006/main">
+  <p:cm authorId="1" dt="2018-01-30T15:56:57.001" idx="1">
+    <p:pos x="4325" y="1005"/>
+    <p:text/>
+    <p:extLst>
+      <p:ext uri="{C676402C-5697-4E1C-873F-D02D1690AC5C}">
+        <p15:threadingInfo xmlns:p15="http://schemas.microsoft.com/office/powerpoint/2012/main" timeZoneBias="-180"/>
+      </p:ext>
+    </p:extLst>
+  </p:cm>
+</p:cmLst>
+</file>
+
+<file path=ppt/comments/comment2.xml><?xml version="1.0" encoding="utf-8"?>
+<p:cmLst xmlns:a="http://schemas.openxmlformats.org/drawingml/2006/main" xmlns:r="http://schemas.openxmlformats.org/officeDocument/2006/relationships" xmlns:p="http://schemas.openxmlformats.org/presentationml/2006/main">
+  <p:cm authorId="1" dt="2018-01-30T15:56:57.001" idx="1">
+    <p:pos x="4325" y="1005"/>
+    <p:text/>
+    <p:extLst>
+      <p:ext uri="{C676402C-5697-4E1C-873F-D02D1690AC5C}">
+        <p15:threadingInfo xmlns:p15="http://schemas.microsoft.com/office/powerpoint/2012/main" timeZoneBias="-180"/>
+      </p:ext>
+    </p:extLst>
+  </p:cm>
+</p:cmLst>
 </file>
 
 <file path=ppt/slideLayouts/slideLayout1.xml><?xml version="1.0" encoding="utf-8"?>
@@ -239,7 +290,7 @@
           <a:p>
             <a:fld id="{F314A805-69C2-49A1-B03F-2F710F8F1264}" type="datetimeFigureOut">
               <a:rPr lang="ru-RU" smtClean="0"/>
-              <a:t>23.01.2018</a:t>
+              <a:t>30.01.2018</a:t>
             </a:fld>
             <a:endParaRPr lang="ru-RU"/>
           </a:p>
@@ -409,7 +460,7 @@
           <a:p>
             <a:fld id="{F314A805-69C2-49A1-B03F-2F710F8F1264}" type="datetimeFigureOut">
               <a:rPr lang="ru-RU" smtClean="0"/>
-              <a:t>23.01.2018</a:t>
+              <a:t>30.01.2018</a:t>
             </a:fld>
             <a:endParaRPr lang="ru-RU"/>
           </a:p>
@@ -589,7 +640,7 @@
           <a:p>
             <a:fld id="{F314A805-69C2-49A1-B03F-2F710F8F1264}" type="datetimeFigureOut">
               <a:rPr lang="ru-RU" smtClean="0"/>
-              <a:t>23.01.2018</a:t>
+              <a:t>30.01.2018</a:t>
             </a:fld>
             <a:endParaRPr lang="ru-RU"/>
           </a:p>
@@ -759,7 +810,7 @@
           <a:p>
             <a:fld id="{F314A805-69C2-49A1-B03F-2F710F8F1264}" type="datetimeFigureOut">
               <a:rPr lang="ru-RU" smtClean="0"/>
-              <a:t>23.01.2018</a:t>
+              <a:t>30.01.2018</a:t>
             </a:fld>
             <a:endParaRPr lang="ru-RU"/>
           </a:p>
@@ -1005,7 +1056,7 @@
           <a:p>
             <a:fld id="{F314A805-69C2-49A1-B03F-2F710F8F1264}" type="datetimeFigureOut">
               <a:rPr lang="ru-RU" smtClean="0"/>
-              <a:t>23.01.2018</a:t>
+              <a:t>30.01.2018</a:t>
             </a:fld>
             <a:endParaRPr lang="ru-RU"/>
           </a:p>
@@ -1237,7 +1288,7 @@
           <a:p>
             <a:fld id="{F314A805-69C2-49A1-B03F-2F710F8F1264}" type="datetimeFigureOut">
               <a:rPr lang="ru-RU" smtClean="0"/>
-              <a:t>23.01.2018</a:t>
+              <a:t>30.01.2018</a:t>
             </a:fld>
             <a:endParaRPr lang="ru-RU"/>
           </a:p>
@@ -1604,7 +1655,7 @@
           <a:p>
             <a:fld id="{F314A805-69C2-49A1-B03F-2F710F8F1264}" type="datetimeFigureOut">
               <a:rPr lang="ru-RU" smtClean="0"/>
-              <a:t>23.01.2018</a:t>
+              <a:t>30.01.2018</a:t>
             </a:fld>
             <a:endParaRPr lang="ru-RU"/>
           </a:p>
@@ -1722,7 +1773,7 @@
           <a:p>
             <a:fld id="{F314A805-69C2-49A1-B03F-2F710F8F1264}" type="datetimeFigureOut">
               <a:rPr lang="ru-RU" smtClean="0"/>
-              <a:t>23.01.2018</a:t>
+              <a:t>30.01.2018</a:t>
             </a:fld>
             <a:endParaRPr lang="ru-RU"/>
           </a:p>
@@ -1817,7 +1868,7 @@
           <a:p>
             <a:fld id="{F314A805-69C2-49A1-B03F-2F710F8F1264}" type="datetimeFigureOut">
               <a:rPr lang="ru-RU" smtClean="0"/>
-              <a:t>23.01.2018</a:t>
+              <a:t>30.01.2018</a:t>
             </a:fld>
             <a:endParaRPr lang="ru-RU"/>
           </a:p>
@@ -2094,7 +2145,7 @@
           <a:p>
             <a:fld id="{F314A805-69C2-49A1-B03F-2F710F8F1264}" type="datetimeFigureOut">
               <a:rPr lang="ru-RU" smtClean="0"/>
-              <a:t>23.01.2018</a:t>
+              <a:t>30.01.2018</a:t>
             </a:fld>
             <a:endParaRPr lang="ru-RU"/>
           </a:p>
@@ -2347,7 +2398,7 @@
           <a:p>
             <a:fld id="{F314A805-69C2-49A1-B03F-2F710F8F1264}" type="datetimeFigureOut">
               <a:rPr lang="ru-RU" smtClean="0"/>
-              <a:t>23.01.2018</a:t>
+              <a:t>30.01.2018</a:t>
             </a:fld>
             <a:endParaRPr lang="ru-RU"/>
           </a:p>
@@ -2560,7 +2611,7 @@
           <a:p>
             <a:fld id="{F314A805-69C2-49A1-B03F-2F710F8F1264}" type="datetimeFigureOut">
               <a:rPr lang="ru-RU" smtClean="0"/>
-              <a:t>23.01.2018</a:t>
+              <a:t>30.01.2018</a:t>
             </a:fld>
             <a:endParaRPr lang="ru-RU"/>
           </a:p>
@@ -2975,280 +3026,38 @@
             <p:ph type="ctrTitle"/>
           </p:nvPr>
         </p:nvSpPr>
-        <p:spPr>
-          <a:xfrm>
-            <a:off x="1524000" y="175306"/>
-            <a:ext cx="2966357" cy="967694"/>
-          </a:xfrm>
-        </p:spPr>
-        <p:txBody>
-          <a:bodyPr/>
-          <a:lstStyle/>
-          <a:p>
-            <a:r>
-              <a:rPr lang="en-US" dirty="0" smtClean="0"/>
-              <a:t>Dataset</a:t>
-            </a:r>
-            <a:endParaRPr lang="ru-RU" dirty="0"/>
-          </a:p>
-        </p:txBody>
-      </p:sp>
-      <p:sp>
-        <p:nvSpPr>
-          <p:cNvPr id="4" name="TextBox 3"/>
-          <p:cNvSpPr txBox="1"/>
-          <p:nvPr/>
-        </p:nvSpPr>
-        <p:spPr>
-          <a:xfrm>
-            <a:off x="538843" y="1534886"/>
-            <a:ext cx="10564586" cy="3970318"/>
-          </a:xfrm>
-          <a:prstGeom prst="rect">
-            <a:avLst/>
-          </a:prstGeom>
-          <a:noFill/>
-        </p:spPr>
-        <p:txBody>
-          <a:bodyPr wrap="square" rtlCol="0">
-            <a:spAutoFit/>
-          </a:bodyPr>
-          <a:lstStyle/>
-          <a:p>
-            <a:r>
-              <a:rPr lang="ru-RU" dirty="0" smtClean="0"/>
-              <a:t>10</a:t>
-            </a:r>
-            <a:r>
-              <a:rPr lang="en-US" dirty="0" smtClean="0"/>
-              <a:t>k</a:t>
-            </a:r>
-            <a:r>
-              <a:rPr lang="ru-RU" dirty="0" smtClean="0"/>
-              <a:t>_</a:t>
-            </a:r>
-            <a:r>
-              <a:rPr lang="en-US" dirty="0" err="1" smtClean="0"/>
-              <a:t>most_common</a:t>
-            </a:r>
-            <a:r>
-              <a:rPr lang="en-US" dirty="0" smtClean="0"/>
-              <a:t> – 1</a:t>
-            </a:r>
-            <a:r>
-              <a:rPr lang="ru-RU" dirty="0" smtClean="0"/>
-              <a:t>0к самых популярных паролей.</a:t>
-            </a:r>
-          </a:p>
-          <a:p>
-            <a:r>
-              <a:rPr lang="en-US" dirty="0" smtClean="0"/>
-              <a:t>ICQ-Popular</a:t>
-            </a:r>
-            <a:r>
-              <a:rPr lang="ru-RU" dirty="0" smtClean="0"/>
-              <a:t> – 3000 самых популярных паролей </a:t>
-            </a:r>
-            <a:r>
-              <a:rPr lang="en-US" dirty="0" smtClean="0"/>
-              <a:t>ICQ</a:t>
-            </a:r>
-          </a:p>
-          <a:p>
-            <a:r>
-              <a:rPr lang="en-US" dirty="0" smtClean="0"/>
-              <a:t>TOP-630-passwords-2009</a:t>
-            </a:r>
-            <a:r>
-              <a:rPr lang="ru-RU" dirty="0" smtClean="0"/>
-              <a:t> – Топ 630 паролей из массовой утечки 2009 года (</a:t>
-            </a:r>
-            <a:r>
-              <a:rPr lang="en-US" dirty="0" err="1" smtClean="0"/>
-              <a:t>RockYou</a:t>
-            </a:r>
-            <a:r>
-              <a:rPr lang="en-US" dirty="0" smtClean="0"/>
-              <a:t>)</a:t>
-            </a:r>
-          </a:p>
-          <a:p>
-            <a:r>
-              <a:rPr lang="en-US" dirty="0" smtClean="0"/>
-              <a:t>TOP-Passwords-RDP</a:t>
-            </a:r>
-            <a:r>
-              <a:rPr lang="ru-RU" dirty="0" smtClean="0"/>
-              <a:t> – Топ паролей от </a:t>
-            </a:r>
-            <a:r>
-              <a:rPr lang="en-US" dirty="0" smtClean="0"/>
-              <a:t>RDP</a:t>
-            </a:r>
-          </a:p>
-          <a:p>
-            <a:r>
-              <a:rPr lang="en-US" dirty="0" err="1" smtClean="0"/>
-              <a:t>BreachCompilation</a:t>
-            </a:r>
-            <a:r>
-              <a:rPr lang="en-US" dirty="0" smtClean="0"/>
-              <a:t> – </a:t>
-            </a:r>
-            <a:r>
-              <a:rPr lang="ru-RU" dirty="0" smtClean="0"/>
-              <a:t>недавняя утечка нескольких миллиардов паролей</a:t>
-            </a:r>
-          </a:p>
-          <a:p>
-            <a:endParaRPr lang="ru-RU" dirty="0" smtClean="0"/>
-          </a:p>
-          <a:p>
-            <a:r>
-              <a:rPr lang="en-US" dirty="0" smtClean="0"/>
-              <a:t> 10000 </a:t>
-            </a:r>
-            <a:r>
-              <a:rPr lang="ru-RU" dirty="0" smtClean="0"/>
-              <a:t>			</a:t>
-            </a:r>
-            <a:r>
-              <a:rPr lang="en-US" dirty="0" smtClean="0"/>
-              <a:t>10k_most_common.txt</a:t>
-            </a:r>
-            <a:endParaRPr lang="ru-RU" dirty="0" smtClean="0"/>
-          </a:p>
-          <a:p>
-            <a:r>
-              <a:rPr lang="en-US" dirty="0" smtClean="0"/>
-              <a:t>1012024699 </a:t>
-            </a:r>
-            <a:r>
-              <a:rPr lang="ru-RU" dirty="0" smtClean="0"/>
-              <a:t>		</a:t>
-            </a:r>
-            <a:r>
-              <a:rPr lang="en-US" dirty="0" smtClean="0"/>
-              <a:t>breachcompilation.txt      </a:t>
-            </a:r>
-            <a:endParaRPr lang="ru-RU" dirty="0" smtClean="0"/>
-          </a:p>
-          <a:p>
-            <a:r>
-              <a:rPr lang="en-US" dirty="0" smtClean="0"/>
-              <a:t>2886 </a:t>
-            </a:r>
-            <a:r>
-              <a:rPr lang="ru-RU" dirty="0" smtClean="0"/>
-              <a:t>			</a:t>
-            </a:r>
-            <a:r>
-              <a:rPr lang="en-US" dirty="0" smtClean="0"/>
-              <a:t>ICQ-Popular.txt       </a:t>
-            </a:r>
-            <a:endParaRPr lang="ru-RU" dirty="0" smtClean="0"/>
-          </a:p>
-          <a:p>
-            <a:r>
-              <a:rPr lang="en-US" dirty="0" smtClean="0"/>
-              <a:t>102 </a:t>
-            </a:r>
-            <a:r>
-              <a:rPr lang="ru-RU" dirty="0" smtClean="0"/>
-              <a:t>			</a:t>
-            </a:r>
-            <a:r>
-              <a:rPr lang="en-US" dirty="0" smtClean="0"/>
-              <a:t>TOP-100-Adobe.txt       </a:t>
-            </a:r>
-            <a:endParaRPr lang="ru-RU" dirty="0" smtClean="0"/>
-          </a:p>
-          <a:p>
-            <a:r>
-              <a:rPr lang="en-US" dirty="0" smtClean="0"/>
-              <a:t>630 </a:t>
-            </a:r>
-            <a:r>
-              <a:rPr lang="ru-RU" dirty="0" smtClean="0"/>
-              <a:t>			</a:t>
-            </a:r>
-            <a:r>
-              <a:rPr lang="en-US" dirty="0" smtClean="0"/>
-              <a:t>TOP-630-passwords-2009.txt        </a:t>
-            </a:r>
-            <a:endParaRPr lang="ru-RU" dirty="0" smtClean="0"/>
-          </a:p>
-          <a:p>
-            <a:r>
-              <a:rPr lang="en-US" dirty="0" smtClean="0"/>
-              <a:t>86 </a:t>
-            </a:r>
-            <a:r>
-              <a:rPr lang="ru-RU" dirty="0" smtClean="0"/>
-              <a:t>			</a:t>
-            </a:r>
-            <a:r>
-              <a:rPr lang="en-US" dirty="0" smtClean="0"/>
-              <a:t>TOP-Passwords-Rdp.txt     </a:t>
-            </a:r>
-            <a:endParaRPr lang="ru-RU" dirty="0" smtClean="0"/>
-          </a:p>
-          <a:p>
-            <a:r>
-              <a:rPr lang="en-US" dirty="0" smtClean="0"/>
-              <a:t>1000 </a:t>
-            </a:r>
-            <a:r>
-              <a:rPr lang="ru-RU" dirty="0" smtClean="0"/>
-              <a:t>			</a:t>
-            </a:r>
-            <a:r>
-              <a:rPr lang="en-US" dirty="0" smtClean="0"/>
-              <a:t>wordlist_top_500PswMangled.txt</a:t>
-            </a:r>
-            <a:endParaRPr lang="ru-RU" dirty="0" smtClean="0"/>
-          </a:p>
-          <a:p>
-            <a:r>
-              <a:rPr lang="en-US" dirty="0" smtClean="0"/>
-              <a:t>1</a:t>
-            </a:r>
-            <a:r>
-              <a:rPr lang="ru-RU" dirty="0" smtClean="0"/>
-              <a:t> </a:t>
-            </a:r>
-            <a:r>
-              <a:rPr lang="en-US" dirty="0" smtClean="0"/>
-              <a:t>012</a:t>
-            </a:r>
-            <a:r>
-              <a:rPr lang="ru-RU" dirty="0" smtClean="0"/>
-              <a:t> </a:t>
-            </a:r>
-            <a:r>
-              <a:rPr lang="en-US" dirty="0" smtClean="0"/>
-              <a:t>039</a:t>
-            </a:r>
-            <a:r>
-              <a:rPr lang="ru-RU" dirty="0" smtClean="0"/>
-              <a:t> </a:t>
-            </a:r>
-            <a:r>
-              <a:rPr lang="en-US" dirty="0" smtClean="0"/>
-              <a:t>403 </a:t>
-            </a:r>
-            <a:r>
-              <a:rPr lang="ru-RU" dirty="0" smtClean="0"/>
-              <a:t>		итого (1 миллиард с копейками)</a:t>
-            </a:r>
-            <a:endParaRPr lang="ru-RU" dirty="0"/>
+        <p:spPr/>
+        <p:txBody>
+          <a:bodyPr/>
+          <a:lstStyle/>
+          <a:p>
+            <a:endParaRPr lang="ru-RU"/>
+          </a:p>
+        </p:txBody>
+      </p:sp>
+      <p:sp>
+        <p:nvSpPr>
+          <p:cNvPr id="3" name="Подзаголовок 2"/>
+          <p:cNvSpPr>
+            <a:spLocks noGrp="1"/>
+          </p:cNvSpPr>
+          <p:nvPr>
+            <p:ph type="subTitle" idx="1"/>
+          </p:nvPr>
+        </p:nvSpPr>
+        <p:spPr/>
+        <p:txBody>
+          <a:bodyPr/>
+          <a:lstStyle/>
+          <a:p>
+            <a:endParaRPr lang="ru-RU"/>
           </a:p>
         </p:txBody>
       </p:sp>
     </p:spTree>
     <p:extLst>
       <p:ext uri="{BB962C8B-B14F-4D97-AF65-F5344CB8AC3E}">
-        <p14:creationId xmlns:p14="http://schemas.microsoft.com/office/powerpoint/2010/main" val="531766815"/>
+        <p14:creationId xmlns:p14="http://schemas.microsoft.com/office/powerpoint/2010/main" val="1152772387"/>
       </p:ext>
     </p:extLst>
   </p:cSld>
@@ -3277,11 +3086,371 @@
       </p:grpSpPr>
       <p:sp>
         <p:nvSpPr>
+          <p:cNvPr id="3" name="Объект 2"/>
+          <p:cNvSpPr>
+            <a:spLocks noGrp="1"/>
+          </p:cNvSpPr>
+          <p:nvPr>
+            <p:ph idx="1"/>
+          </p:nvPr>
+        </p:nvSpPr>
+        <p:spPr/>
+        <p:txBody>
+          <a:bodyPr/>
+          <a:lstStyle/>
+          <a:p>
+            <a:pPr marL="0" indent="0">
+              <a:buNone/>
+            </a:pPr>
+            <a:r>
+              <a:rPr lang="ru-RU" dirty="0" smtClean="0"/>
+              <a:t>Задача</a:t>
+            </a:r>
+            <a:r>
+              <a:rPr lang="en-US" dirty="0" smtClean="0"/>
+              <a:t>:</a:t>
+            </a:r>
+          </a:p>
+          <a:p>
+            <a:pPr marL="0" indent="0">
+              <a:buNone/>
+            </a:pPr>
+            <a:r>
+              <a:rPr lang="ru-RU" dirty="0" smtClean="0"/>
+              <a:t>Написать нейронную сеть, которая могла бы генерировать человек</a:t>
+            </a:r>
+            <a:r>
+              <a:rPr lang="ru-RU" dirty="0"/>
+              <a:t>о</a:t>
+            </a:r>
+            <a:r>
+              <a:rPr lang="ru-RU" dirty="0" smtClean="0"/>
+              <a:t>подобные пароли</a:t>
+            </a:r>
+          </a:p>
+          <a:p>
+            <a:pPr marL="0" indent="0">
+              <a:buNone/>
+            </a:pPr>
+            <a:endParaRPr lang="ru-RU" dirty="0"/>
+          </a:p>
+        </p:txBody>
+      </p:sp>
+    </p:spTree>
+    <p:extLst>
+      <p:ext uri="{BB962C8B-B14F-4D97-AF65-F5344CB8AC3E}">
+        <p14:creationId xmlns:p14="http://schemas.microsoft.com/office/powerpoint/2010/main" val="2899072003"/>
+      </p:ext>
+    </p:extLst>
+  </p:cSld>
+  <p:clrMapOvr>
+    <a:masterClrMapping/>
+  </p:clrMapOvr>
+</p:sld>
+</file>
+
+<file path=ppt/slides/slide3.xml><?xml version="1.0" encoding="utf-8"?>
+<p:sld xmlns:a="http://schemas.openxmlformats.org/drawingml/2006/main" xmlns:r="http://schemas.openxmlformats.org/officeDocument/2006/relationships" xmlns:p="http://schemas.openxmlformats.org/presentationml/2006/main">
+  <p:cSld>
+    <p:spTree>
+      <p:nvGrpSpPr>
+        <p:cNvPr id="1" name=""/>
+        <p:cNvGrpSpPr/>
+        <p:nvPr/>
+      </p:nvGrpSpPr>
+      <p:grpSpPr>
+        <a:xfrm>
+          <a:off x="0" y="0"/>
+          <a:ext cx="0" cy="0"/>
+          <a:chOff x="0" y="0"/>
+          <a:chExt cx="0" cy="0"/>
+        </a:xfrm>
+      </p:grpSpPr>
+      <p:sp>
+        <p:nvSpPr>
           <p:cNvPr id="2" name="Заголовок 1"/>
           <p:cNvSpPr>
             <a:spLocks noGrp="1"/>
           </p:cNvSpPr>
           <p:nvPr>
+            <p:ph type="ctrTitle"/>
+          </p:nvPr>
+        </p:nvSpPr>
+        <p:spPr>
+          <a:xfrm>
+            <a:off x="937853" y="546242"/>
+            <a:ext cx="4618008" cy="967694"/>
+          </a:xfrm>
+        </p:spPr>
+        <p:txBody>
+          <a:bodyPr>
+            <a:normAutofit fontScale="90000"/>
+          </a:bodyPr>
+          <a:lstStyle/>
+          <a:p>
+            <a:r>
+              <a:rPr lang="ru-RU" dirty="0" smtClean="0"/>
+              <a:t>Набор данных</a:t>
+            </a:r>
+            <a:endParaRPr lang="ru-RU" dirty="0"/>
+          </a:p>
+        </p:txBody>
+      </p:sp>
+      <p:sp>
+        <p:nvSpPr>
+          <p:cNvPr id="4" name="TextBox 3"/>
+          <p:cNvSpPr txBox="1"/>
+          <p:nvPr/>
+        </p:nvSpPr>
+        <p:spPr>
+          <a:xfrm>
+            <a:off x="937853" y="1900646"/>
+            <a:ext cx="10564586" cy="3693319"/>
+          </a:xfrm>
+          <a:prstGeom prst="rect">
+            <a:avLst/>
+          </a:prstGeom>
+          <a:noFill/>
+        </p:spPr>
+        <p:txBody>
+          <a:bodyPr wrap="square" rtlCol="0">
+            <a:spAutoFit/>
+          </a:bodyPr>
+          <a:lstStyle/>
+          <a:p>
+            <a:r>
+              <a:rPr lang="ru-RU" dirty="0" smtClean="0"/>
+              <a:t>10</a:t>
+            </a:r>
+            <a:r>
+              <a:rPr lang="en-US" dirty="0" smtClean="0"/>
+              <a:t>k</a:t>
+            </a:r>
+            <a:r>
+              <a:rPr lang="ru-RU" dirty="0" smtClean="0"/>
+              <a:t>_</a:t>
+            </a:r>
+            <a:r>
+              <a:rPr lang="en-US" dirty="0" err="1" smtClean="0"/>
+              <a:t>most_common</a:t>
+            </a:r>
+            <a:r>
+              <a:rPr lang="en-US" dirty="0" smtClean="0"/>
+              <a:t> – 1</a:t>
+            </a:r>
+            <a:r>
+              <a:rPr lang="ru-RU" dirty="0" smtClean="0"/>
+              <a:t>0к самых популярных паролей.</a:t>
+            </a:r>
+          </a:p>
+          <a:p>
+            <a:r>
+              <a:rPr lang="en-US" dirty="0" smtClean="0"/>
+              <a:t>ICQ-Popular</a:t>
+            </a:r>
+            <a:r>
+              <a:rPr lang="ru-RU" dirty="0" smtClean="0"/>
+              <a:t> – 3000 самых популярных паролей </a:t>
+            </a:r>
+            <a:r>
+              <a:rPr lang="en-US" dirty="0" smtClean="0"/>
+              <a:t>ICQ</a:t>
+            </a:r>
+          </a:p>
+          <a:p>
+            <a:r>
+              <a:rPr lang="en-US" dirty="0" smtClean="0"/>
+              <a:t>TOP-630-passwords-2009</a:t>
+            </a:r>
+            <a:r>
+              <a:rPr lang="ru-RU" dirty="0" smtClean="0"/>
+              <a:t> – Топ 630 паролей из массовой утечки 2009 года (</a:t>
+            </a:r>
+            <a:r>
+              <a:rPr lang="en-US" dirty="0" err="1" smtClean="0"/>
+              <a:t>RockYou</a:t>
+            </a:r>
+            <a:r>
+              <a:rPr lang="en-US" dirty="0" smtClean="0"/>
+              <a:t>)</a:t>
+            </a:r>
+          </a:p>
+          <a:p>
+            <a:r>
+              <a:rPr lang="en-US" dirty="0" smtClean="0"/>
+              <a:t>TOP-Passwords-RDP</a:t>
+            </a:r>
+            <a:r>
+              <a:rPr lang="ru-RU" dirty="0" smtClean="0"/>
+              <a:t> – Топ паролей от </a:t>
+            </a:r>
+            <a:r>
+              <a:rPr lang="en-US" dirty="0" smtClean="0"/>
+              <a:t>RDP</a:t>
+            </a:r>
+          </a:p>
+          <a:p>
+            <a:endParaRPr lang="ru-RU" dirty="0" smtClean="0"/>
+          </a:p>
+          <a:p>
+            <a:r>
+              <a:rPr lang="en-US" dirty="0" smtClean="0"/>
+              <a:t>10000 </a:t>
+            </a:r>
+            <a:r>
+              <a:rPr lang="ru-RU" dirty="0" smtClean="0"/>
+              <a:t>			</a:t>
+            </a:r>
+            <a:r>
+              <a:rPr lang="en-US" dirty="0" smtClean="0"/>
+              <a:t>10k_most_common.txt</a:t>
+            </a:r>
+            <a:endParaRPr lang="ru-RU" dirty="0" smtClean="0"/>
+          </a:p>
+          <a:p>
+            <a:r>
+              <a:rPr lang="en-US" dirty="0" smtClean="0"/>
+              <a:t>2886 </a:t>
+            </a:r>
+            <a:r>
+              <a:rPr lang="ru-RU" dirty="0" smtClean="0"/>
+              <a:t>			</a:t>
+            </a:r>
+            <a:r>
+              <a:rPr lang="en-US" dirty="0" smtClean="0"/>
+              <a:t>ICQ-Popular.txt       </a:t>
+            </a:r>
+            <a:endParaRPr lang="ru-RU" dirty="0" smtClean="0"/>
+          </a:p>
+          <a:p>
+            <a:r>
+              <a:rPr lang="en-US" dirty="0" smtClean="0"/>
+              <a:t>630 </a:t>
+            </a:r>
+            <a:r>
+              <a:rPr lang="ru-RU" dirty="0" smtClean="0"/>
+              <a:t>			</a:t>
+            </a:r>
+            <a:r>
+              <a:rPr lang="en-US" dirty="0" smtClean="0"/>
+              <a:t>TOP-630-passwords-2009.txt        </a:t>
+            </a:r>
+            <a:endParaRPr lang="ru-RU" dirty="0" smtClean="0"/>
+          </a:p>
+          <a:p>
+            <a:r>
+              <a:rPr lang="en-US" dirty="0" smtClean="0"/>
+              <a:t>86 </a:t>
+            </a:r>
+            <a:r>
+              <a:rPr lang="ru-RU" dirty="0" smtClean="0"/>
+              <a:t>			</a:t>
+            </a:r>
+            <a:r>
+              <a:rPr lang="en-US" dirty="0" smtClean="0"/>
+              <a:t>TOP-Passwords-Rdp.txt     </a:t>
+            </a:r>
+            <a:endParaRPr lang="ru-RU" dirty="0" smtClean="0"/>
+          </a:p>
+          <a:p>
+            <a:r>
+              <a:rPr lang="en-US" dirty="0" smtClean="0"/>
+              <a:t>1000 </a:t>
+            </a:r>
+            <a:r>
+              <a:rPr lang="ru-RU" dirty="0" smtClean="0"/>
+              <a:t>			</a:t>
+            </a:r>
+            <a:r>
+              <a:rPr lang="en-US" dirty="0" smtClean="0"/>
+              <a:t>wordlist_top_500PswMangled.txt</a:t>
+            </a:r>
+            <a:endParaRPr lang="ru-RU" dirty="0" smtClean="0"/>
+          </a:p>
+          <a:p>
+            <a:r>
+              <a:rPr lang="en-US" dirty="0" smtClean="0"/>
+              <a:t>19602 </a:t>
+            </a:r>
+            <a:r>
+              <a:rPr lang="ru-RU" dirty="0" smtClean="0"/>
+              <a:t>		</a:t>
+            </a:r>
+            <a:r>
+              <a:rPr lang="en-US" dirty="0" smtClean="0"/>
+              <a:t>	</a:t>
+            </a:r>
+            <a:r>
+              <a:rPr lang="ru-RU" dirty="0" smtClean="0"/>
+              <a:t>Итого </a:t>
+            </a:r>
+            <a:r>
+              <a:rPr lang="en-US" dirty="0" smtClean="0"/>
+              <a:t>~ </a:t>
+            </a:r>
+            <a:r>
+              <a:rPr lang="ru-RU" dirty="0" smtClean="0"/>
+              <a:t>19к паролей</a:t>
+            </a:r>
+            <a:endParaRPr lang="en-US" dirty="0" smtClean="0"/>
+          </a:p>
+          <a:p>
+            <a:endParaRPr lang="ru-RU" dirty="0" smtClean="0"/>
+          </a:p>
+          <a:p>
+            <a:r>
+              <a:rPr lang="ru-RU" dirty="0" smtClean="0"/>
+              <a:t>Общий размер </a:t>
+            </a:r>
+            <a:r>
+              <a:rPr lang="en-US" dirty="0" smtClean="0"/>
+              <a:t>~ </a:t>
+            </a:r>
+            <a:r>
+              <a:rPr lang="ru-RU" dirty="0" smtClean="0"/>
+              <a:t>190 Кб</a:t>
+            </a:r>
+            <a:endParaRPr lang="en-US" dirty="0" smtClean="0"/>
+          </a:p>
+        </p:txBody>
+      </p:sp>
+    </p:spTree>
+    <p:extLst>
+      <p:ext uri="{BB962C8B-B14F-4D97-AF65-F5344CB8AC3E}">
+        <p14:creationId xmlns:p14="http://schemas.microsoft.com/office/powerpoint/2010/main" val="531766815"/>
+      </p:ext>
+    </p:extLst>
+  </p:cSld>
+  <p:clrMapOvr>
+    <a:masterClrMapping/>
+  </p:clrMapOvr>
+</p:sld>
+</file>
+
+<file path=ppt/slides/slide4.xml><?xml version="1.0" encoding="utf-8"?>
+<p:sld xmlns:a="http://schemas.openxmlformats.org/drawingml/2006/main" xmlns:r="http://schemas.openxmlformats.org/officeDocument/2006/relationships" xmlns:p="http://schemas.openxmlformats.org/presentationml/2006/main">
+  <p:cSld>
+    <p:spTree>
+      <p:nvGrpSpPr>
+        <p:cNvPr id="1" name=""/>
+        <p:cNvGrpSpPr/>
+        <p:nvPr/>
+      </p:nvGrpSpPr>
+      <p:grpSpPr>
+        <a:xfrm>
+          <a:off x="0" y="0"/>
+          <a:ext cx="0" cy="0"/>
+          <a:chOff x="0" y="0"/>
+          <a:chExt cx="0" cy="0"/>
+        </a:xfrm>
+      </p:grpSpPr>
+      <p:sp>
+        <p:nvSpPr>
+          <p:cNvPr id="2" name="Заголовок 1"/>
+          <p:cNvSpPr>
+            <a:spLocks noGrp="1"/>
+          </p:cNvSpPr>
+          <p:nvPr>
             <p:ph type="title"/>
           </p:nvPr>
         </p:nvSpPr>
@@ -3290,26 +3459,91 @@
           <a:bodyPr/>
           <a:lstStyle/>
           <a:p>
-            <a:endParaRPr lang="ru-RU"/>
-          </a:p>
-        </p:txBody>
-      </p:sp>
-      <p:sp>
-        <p:nvSpPr>
-          <p:cNvPr id="3" name="Объект 2"/>
-          <p:cNvSpPr>
-            <a:spLocks noGrp="1"/>
-          </p:cNvSpPr>
-          <p:nvPr>
-            <p:ph idx="1"/>
-          </p:nvPr>
-        </p:nvSpPr>
-        <p:spPr/>
-        <p:txBody>
-          <a:bodyPr/>
-          <a:lstStyle/>
-          <a:p>
-            <a:endParaRPr lang="ru-RU"/>
+            <a:r>
+              <a:rPr lang="ru-RU" dirty="0" smtClean="0"/>
+              <a:t>Архитектура сети</a:t>
+            </a:r>
+            <a:endParaRPr lang="ru-RU" dirty="0"/>
+          </a:p>
+        </p:txBody>
+      </p:sp>
+      <p:sp>
+        <p:nvSpPr>
+          <p:cNvPr id="5" name="TextBox 4"/>
+          <p:cNvSpPr txBox="1"/>
+          <p:nvPr/>
+        </p:nvSpPr>
+        <p:spPr>
+          <a:xfrm>
+            <a:off x="838200" y="1595887"/>
+            <a:ext cx="6028426" cy="1200329"/>
+          </a:xfrm>
+          <a:prstGeom prst="rect">
+            <a:avLst/>
+          </a:prstGeom>
+          <a:noFill/>
+        </p:spPr>
+        <p:txBody>
+          <a:bodyPr wrap="square" rtlCol="0">
+            <a:spAutoFit/>
+          </a:bodyPr>
+          <a:lstStyle/>
+          <a:p>
+            <a:r>
+              <a:rPr lang="ru-RU" dirty="0" smtClean="0"/>
+              <a:t>5 слоев </a:t>
+            </a:r>
+            <a:r>
+              <a:rPr lang="en-US" dirty="0" smtClean="0"/>
+              <a:t>LSTM</a:t>
+            </a:r>
+          </a:p>
+          <a:p>
+            <a:r>
+              <a:rPr lang="en-US" dirty="0" err="1" smtClean="0"/>
+              <a:t>Softmax</a:t>
+            </a:r>
+            <a:r>
+              <a:rPr lang="en-US" dirty="0" smtClean="0"/>
+              <a:t> </a:t>
+            </a:r>
+            <a:r>
+              <a:rPr lang="ru-RU" dirty="0" smtClean="0"/>
+              <a:t>активация</a:t>
+            </a:r>
+          </a:p>
+          <a:p>
+            <a:r>
+              <a:rPr lang="en-US" dirty="0" err="1" smtClean="0"/>
+              <a:t>RMSprop</a:t>
+            </a:r>
+            <a:r>
+              <a:rPr lang="en-US" dirty="0" smtClean="0"/>
+              <a:t> –</a:t>
+            </a:r>
+            <a:r>
+              <a:rPr lang="ru-RU" dirty="0" smtClean="0"/>
+              <a:t> оптимизатор</a:t>
+            </a:r>
+          </a:p>
+          <a:p>
+            <a:r>
+              <a:rPr lang="en-US" dirty="0" smtClean="0"/>
+              <a:t>Categorical </a:t>
+            </a:r>
+            <a:r>
+              <a:rPr lang="en-US" dirty="0" err="1" smtClean="0"/>
+              <a:t>Crossentropy</a:t>
+            </a:r>
+            <a:r>
+              <a:rPr lang="en-US" dirty="0" smtClean="0"/>
+              <a:t> – </a:t>
+            </a:r>
+            <a:r>
+              <a:rPr lang="ru-RU" dirty="0" smtClean="0"/>
+              <a:t>функция потерь</a:t>
+            </a:r>
+            <a:endParaRPr lang="ru-RU" dirty="0"/>
           </a:p>
         </p:txBody>
       </p:sp>
@@ -3317,6 +3551,564 @@
     <p:extLst>
       <p:ext uri="{BB962C8B-B14F-4D97-AF65-F5344CB8AC3E}">
         <p14:creationId xmlns:p14="http://schemas.microsoft.com/office/powerpoint/2010/main" val="3416571220"/>
+      </p:ext>
+    </p:extLst>
+  </p:cSld>
+  <p:clrMapOvr>
+    <a:masterClrMapping/>
+  </p:clrMapOvr>
+</p:sld>
+</file>
+
+<file path=ppt/slides/slide5.xml><?xml version="1.0" encoding="utf-8"?>
+<p:sld xmlns:a="http://schemas.openxmlformats.org/drawingml/2006/main" xmlns:r="http://schemas.openxmlformats.org/officeDocument/2006/relationships" xmlns:p="http://schemas.openxmlformats.org/presentationml/2006/main">
+  <p:cSld>
+    <p:spTree>
+      <p:nvGrpSpPr>
+        <p:cNvPr id="1" name=""/>
+        <p:cNvGrpSpPr/>
+        <p:nvPr/>
+      </p:nvGrpSpPr>
+      <p:grpSpPr>
+        <a:xfrm>
+          <a:off x="0" y="0"/>
+          <a:ext cx="0" cy="0"/>
+          <a:chOff x="0" y="0"/>
+          <a:chExt cx="0" cy="0"/>
+        </a:xfrm>
+      </p:grpSpPr>
+      <p:sp>
+        <p:nvSpPr>
+          <p:cNvPr id="2" name="Заголовок 1"/>
+          <p:cNvSpPr>
+            <a:spLocks noGrp="1"/>
+          </p:cNvSpPr>
+          <p:nvPr>
+            <p:ph type="title"/>
+          </p:nvPr>
+        </p:nvSpPr>
+        <p:spPr/>
+        <p:txBody>
+          <a:bodyPr/>
+          <a:lstStyle/>
+          <a:p>
+            <a:r>
+              <a:rPr lang="ru-RU" dirty="0" smtClean="0"/>
+              <a:t>Обучение</a:t>
+            </a:r>
+            <a:endParaRPr lang="ru-RU" dirty="0"/>
+          </a:p>
+        </p:txBody>
+      </p:sp>
+      <p:sp>
+        <p:nvSpPr>
+          <p:cNvPr id="5" name="TextBox 4"/>
+          <p:cNvSpPr txBox="1"/>
+          <p:nvPr/>
+        </p:nvSpPr>
+        <p:spPr>
+          <a:xfrm>
+            <a:off x="838200" y="1595887"/>
+            <a:ext cx="6028426" cy="3416320"/>
+          </a:xfrm>
+          <a:prstGeom prst="rect">
+            <a:avLst/>
+          </a:prstGeom>
+          <a:noFill/>
+        </p:spPr>
+        <p:txBody>
+          <a:bodyPr wrap="square" rtlCol="0">
+            <a:spAutoFit/>
+          </a:bodyPr>
+          <a:lstStyle/>
+          <a:p>
+            <a:r>
+              <a:rPr lang="ru-RU" dirty="0" smtClean="0"/>
+              <a:t>30 эпох</a:t>
+            </a:r>
+          </a:p>
+          <a:p>
+            <a:r>
+              <a:rPr lang="ru-RU" dirty="0" smtClean="0"/>
+              <a:t>Каждые 10 генерирование паролей</a:t>
+            </a:r>
+          </a:p>
+          <a:p>
+            <a:endParaRPr lang="ru-RU" dirty="0"/>
+          </a:p>
+          <a:p>
+            <a:r>
+              <a:rPr lang="ru-RU" dirty="0" smtClean="0"/>
+              <a:t>Время</a:t>
+            </a:r>
+            <a:r>
+              <a:rPr lang="en-US" dirty="0" smtClean="0"/>
+              <a:t>:</a:t>
+            </a:r>
+          </a:p>
+          <a:p>
+            <a:r>
+              <a:rPr lang="ru-RU" dirty="0" smtClean="0"/>
+              <a:t>(190 кб данных)</a:t>
+            </a:r>
+          </a:p>
+          <a:p>
+            <a:r>
+              <a:rPr lang="ru-RU" dirty="0" smtClean="0"/>
+              <a:t>1 эпоха – 1 минута</a:t>
+            </a:r>
+          </a:p>
+          <a:p>
+            <a:endParaRPr lang="ru-RU" dirty="0" smtClean="0"/>
+          </a:p>
+          <a:p>
+            <a:r>
+              <a:rPr lang="ru-RU" dirty="0" smtClean="0"/>
+              <a:t>(8 </a:t>
+            </a:r>
+            <a:r>
+              <a:rPr lang="ru-RU" dirty="0" err="1" smtClean="0"/>
+              <a:t>мб</a:t>
+            </a:r>
+            <a:r>
+              <a:rPr lang="ru-RU" dirty="0" smtClean="0"/>
+              <a:t>)</a:t>
+            </a:r>
+          </a:p>
+          <a:p>
+            <a:r>
+              <a:rPr lang="ru-RU" dirty="0" smtClean="0"/>
+              <a:t>1 эпоха – 20 минут</a:t>
+            </a:r>
+          </a:p>
+          <a:p>
+            <a:endParaRPr lang="ru-RU" dirty="0"/>
+          </a:p>
+          <a:p>
+            <a:r>
+              <a:rPr lang="ru-RU" dirty="0" smtClean="0"/>
+              <a:t>(90 </a:t>
+            </a:r>
+            <a:r>
+              <a:rPr lang="ru-RU" dirty="0" err="1" smtClean="0"/>
+              <a:t>мб</a:t>
+            </a:r>
+            <a:r>
+              <a:rPr lang="ru-RU" dirty="0" smtClean="0"/>
+              <a:t>)</a:t>
+            </a:r>
+          </a:p>
+          <a:p>
+            <a:r>
+              <a:rPr lang="ru-RU" dirty="0" smtClean="0"/>
+              <a:t>1 эпоха – 2 часа</a:t>
+            </a:r>
+            <a:endParaRPr lang="ru-RU" dirty="0"/>
+          </a:p>
+        </p:txBody>
+      </p:sp>
+    </p:spTree>
+    <p:extLst>
+      <p:ext uri="{BB962C8B-B14F-4D97-AF65-F5344CB8AC3E}">
+        <p14:creationId xmlns:p14="http://schemas.microsoft.com/office/powerpoint/2010/main" val="796713683"/>
+      </p:ext>
+    </p:extLst>
+  </p:cSld>
+  <p:clrMapOvr>
+    <a:masterClrMapping/>
+  </p:clrMapOvr>
+</p:sld>
+</file>
+
+<file path=ppt/slides/slide6.xml><?xml version="1.0" encoding="utf-8"?>
+<p:sld xmlns:a="http://schemas.openxmlformats.org/drawingml/2006/main" xmlns:r="http://schemas.openxmlformats.org/officeDocument/2006/relationships" xmlns:p="http://schemas.openxmlformats.org/presentationml/2006/main">
+  <p:cSld>
+    <p:spTree>
+      <p:nvGrpSpPr>
+        <p:cNvPr id="1" name=""/>
+        <p:cNvGrpSpPr/>
+        <p:nvPr/>
+      </p:nvGrpSpPr>
+      <p:grpSpPr>
+        <a:xfrm>
+          <a:off x="0" y="0"/>
+          <a:ext cx="0" cy="0"/>
+          <a:chOff x="0" y="0"/>
+          <a:chExt cx="0" cy="0"/>
+        </a:xfrm>
+      </p:grpSpPr>
+      <p:sp>
+        <p:nvSpPr>
+          <p:cNvPr id="2" name="Заголовок 1"/>
+          <p:cNvSpPr>
+            <a:spLocks noGrp="1"/>
+          </p:cNvSpPr>
+          <p:nvPr>
+            <p:ph type="title"/>
+          </p:nvPr>
+        </p:nvSpPr>
+        <p:spPr/>
+        <p:txBody>
+          <a:bodyPr/>
+          <a:lstStyle/>
+          <a:p>
+            <a:r>
+              <a:rPr lang="ru-RU" dirty="0" smtClean="0"/>
+              <a:t>Эксперименты</a:t>
+            </a:r>
+            <a:endParaRPr lang="ru-RU" dirty="0"/>
+          </a:p>
+        </p:txBody>
+      </p:sp>
+      <p:sp>
+        <p:nvSpPr>
+          <p:cNvPr id="3" name="Объект 2"/>
+          <p:cNvSpPr>
+            <a:spLocks noGrp="1"/>
+          </p:cNvSpPr>
+          <p:nvPr>
+            <p:ph idx="1"/>
+          </p:nvPr>
+        </p:nvSpPr>
+        <p:spPr/>
+        <p:txBody>
+          <a:bodyPr/>
+          <a:lstStyle/>
+          <a:p>
+            <a:r>
+              <a:rPr lang="ru-RU" dirty="0" smtClean="0"/>
+              <a:t>После 10 эпох</a:t>
+            </a:r>
+          </a:p>
+          <a:p>
+            <a:r>
+              <a:rPr lang="ru-RU" dirty="0" smtClean="0"/>
+              <a:t>3 </a:t>
+            </a:r>
+            <a:r>
+              <a:rPr lang="ru-RU" dirty="0"/>
+              <a:t>слоя </a:t>
+            </a:r>
+            <a:r>
+              <a:rPr lang="en-US" dirty="0"/>
+              <a:t>LSTM - loss: 2.7368 - </a:t>
+            </a:r>
+            <a:r>
+              <a:rPr lang="en-US" dirty="0" err="1"/>
+              <a:t>acc</a:t>
+            </a:r>
+            <a:r>
+              <a:rPr lang="en-US" dirty="0"/>
+              <a:t>: 0.2324</a:t>
+            </a:r>
+          </a:p>
+          <a:p>
+            <a:r>
+              <a:rPr lang="en-US" dirty="0" smtClean="0"/>
+              <a:t>2 </a:t>
+            </a:r>
+            <a:r>
+              <a:rPr lang="ru-RU" dirty="0"/>
+              <a:t>слоя </a:t>
+            </a:r>
+            <a:r>
+              <a:rPr lang="en-US" dirty="0"/>
+              <a:t>LSTM - loss: 2.7050 - </a:t>
+            </a:r>
+            <a:r>
+              <a:rPr lang="en-US" dirty="0" err="1"/>
+              <a:t>acc</a:t>
+            </a:r>
+            <a:r>
+              <a:rPr lang="en-US" dirty="0"/>
+              <a:t>: 0.2396</a:t>
+            </a:r>
+          </a:p>
+          <a:p>
+            <a:r>
+              <a:rPr lang="en-US" dirty="0" smtClean="0"/>
+              <a:t>1 </a:t>
+            </a:r>
+            <a:r>
+              <a:rPr lang="ru-RU" dirty="0" smtClean="0"/>
+              <a:t>слой </a:t>
+            </a:r>
+            <a:r>
+              <a:rPr lang="en-US" dirty="0" smtClean="0"/>
+              <a:t>LSTM</a:t>
+            </a:r>
+            <a:r>
+              <a:rPr lang="ru-RU" dirty="0" smtClean="0"/>
+              <a:t> </a:t>
+            </a:r>
+            <a:r>
+              <a:rPr lang="en-US" dirty="0" smtClean="0"/>
+              <a:t>- </a:t>
+            </a:r>
+            <a:r>
+              <a:rPr lang="en-US" dirty="0"/>
+              <a:t>loss: </a:t>
+            </a:r>
+            <a:r>
+              <a:rPr lang="en-US" dirty="0" smtClean="0"/>
+              <a:t>2.6704 </a:t>
+            </a:r>
+            <a:r>
+              <a:rPr lang="en-US" dirty="0"/>
+              <a:t>- </a:t>
+            </a:r>
+            <a:r>
+              <a:rPr lang="en-US" dirty="0" err="1"/>
+              <a:t>acc</a:t>
+            </a:r>
+            <a:r>
+              <a:rPr lang="en-US" dirty="0"/>
+              <a:t>: </a:t>
+            </a:r>
+            <a:r>
+              <a:rPr lang="en-US" dirty="0" smtClean="0"/>
+              <a:t>0.2521</a:t>
+            </a:r>
+            <a:endParaRPr lang="ru-RU" dirty="0" smtClean="0"/>
+          </a:p>
+          <a:p>
+            <a:endParaRPr lang="en-US" dirty="0"/>
+          </a:p>
+          <a:p>
+            <a:endParaRPr lang="ru-RU" dirty="0"/>
+          </a:p>
+        </p:txBody>
+      </p:sp>
+    </p:spTree>
+    <p:extLst>
+      <p:ext uri="{BB962C8B-B14F-4D97-AF65-F5344CB8AC3E}">
+        <p14:creationId xmlns:p14="http://schemas.microsoft.com/office/powerpoint/2010/main" val="4161881250"/>
+      </p:ext>
+    </p:extLst>
+  </p:cSld>
+  <p:clrMapOvr>
+    <a:masterClrMapping/>
+  </p:clrMapOvr>
+</p:sld>
+</file>
+
+<file path=ppt/slides/slide7.xml><?xml version="1.0" encoding="utf-8"?>
+<p:sld xmlns:a="http://schemas.openxmlformats.org/drawingml/2006/main" xmlns:r="http://schemas.openxmlformats.org/officeDocument/2006/relationships" xmlns:p="http://schemas.openxmlformats.org/presentationml/2006/main">
+  <p:cSld>
+    <p:spTree>
+      <p:nvGrpSpPr>
+        <p:cNvPr id="1" name=""/>
+        <p:cNvGrpSpPr/>
+        <p:nvPr/>
+      </p:nvGrpSpPr>
+      <p:grpSpPr>
+        <a:xfrm>
+          <a:off x="0" y="0"/>
+          <a:ext cx="0" cy="0"/>
+          <a:chOff x="0" y="0"/>
+          <a:chExt cx="0" cy="0"/>
+        </a:xfrm>
+      </p:grpSpPr>
+      <p:sp>
+        <p:nvSpPr>
+          <p:cNvPr id="2" name="Заголовок 1"/>
+          <p:cNvSpPr>
+            <a:spLocks noGrp="1"/>
+          </p:cNvSpPr>
+          <p:nvPr>
+            <p:ph type="title"/>
+          </p:nvPr>
+        </p:nvSpPr>
+        <p:spPr/>
+        <p:txBody>
+          <a:bodyPr/>
+          <a:lstStyle/>
+          <a:p>
+            <a:endParaRPr lang="ru-RU"/>
+          </a:p>
+        </p:txBody>
+      </p:sp>
+      <p:pic>
+        <p:nvPicPr>
+          <p:cNvPr id="10" name="Объект 9"/>
+          <p:cNvPicPr>
+            <a:picLocks noGrp="1" noChangeAspect="1"/>
+          </p:cNvPicPr>
+          <p:nvPr>
+            <p:ph idx="1"/>
+          </p:nvPr>
+        </p:nvPicPr>
+        <p:blipFill>
+          <a:blip r:embed="rId2">
+            <a:extLst>
+              <a:ext uri="{28A0092B-C50C-407E-A947-70E740481C1C}">
+                <a14:useLocalDpi xmlns:a14="http://schemas.microsoft.com/office/drawing/2010/main" val="0"/>
+              </a:ext>
+            </a:extLst>
+          </a:blip>
+          <a:stretch>
+            <a:fillRect/>
+          </a:stretch>
+        </p:blipFill>
+        <p:spPr>
+          <a:xfrm>
+            <a:off x="6341872" y="1"/>
+            <a:ext cx="5691510" cy="4399472"/>
+          </a:xfrm>
+        </p:spPr>
+      </p:pic>
+      <p:pic>
+        <p:nvPicPr>
+          <p:cNvPr id="11" name="Рисунок 10"/>
+          <p:cNvPicPr>
+            <a:picLocks noChangeAspect="1"/>
+          </p:cNvPicPr>
+          <p:nvPr/>
+        </p:nvPicPr>
+        <p:blipFill>
+          <a:blip r:embed="rId3">
+            <a:extLst>
+              <a:ext uri="{28A0092B-C50C-407E-A947-70E740481C1C}">
+                <a14:useLocalDpi xmlns:a14="http://schemas.microsoft.com/office/drawing/2010/main" val="0"/>
+              </a:ext>
+            </a:extLst>
+          </a:blip>
+          <a:stretch>
+            <a:fillRect/>
+          </a:stretch>
+        </p:blipFill>
+        <p:spPr>
+          <a:xfrm>
+            <a:off x="0" y="0"/>
+            <a:ext cx="6629400" cy="5124450"/>
+          </a:xfrm>
+          <a:prstGeom prst="rect">
+            <a:avLst/>
+          </a:prstGeom>
+        </p:spPr>
+      </p:pic>
+    </p:spTree>
+    <p:extLst>
+      <p:ext uri="{BB962C8B-B14F-4D97-AF65-F5344CB8AC3E}">
+        <p14:creationId xmlns:p14="http://schemas.microsoft.com/office/powerpoint/2010/main" val="737173293"/>
+      </p:ext>
+    </p:extLst>
+  </p:cSld>
+  <p:clrMapOvr>
+    <a:masterClrMapping/>
+  </p:clrMapOvr>
+</p:sld>
+</file>
+
+<file path=ppt/slides/slide8.xml><?xml version="1.0" encoding="utf-8"?>
+<p:sld xmlns:a="http://schemas.openxmlformats.org/drawingml/2006/main" xmlns:r="http://schemas.openxmlformats.org/officeDocument/2006/relationships" xmlns:p="http://schemas.openxmlformats.org/presentationml/2006/main">
+  <p:cSld>
+    <p:spTree>
+      <p:nvGrpSpPr>
+        <p:cNvPr id="1" name=""/>
+        <p:cNvGrpSpPr/>
+        <p:nvPr/>
+      </p:nvGrpSpPr>
+      <p:grpSpPr>
+        <a:xfrm>
+          <a:off x="0" y="0"/>
+          <a:ext cx="0" cy="0"/>
+          <a:chOff x="0" y="0"/>
+          <a:chExt cx="0" cy="0"/>
+        </a:xfrm>
+      </p:grpSpPr>
+      <p:sp>
+        <p:nvSpPr>
+          <p:cNvPr id="2" name="Заголовок 1"/>
+          <p:cNvSpPr>
+            <a:spLocks noGrp="1"/>
+          </p:cNvSpPr>
+          <p:nvPr>
+            <p:ph type="title"/>
+          </p:nvPr>
+        </p:nvSpPr>
+        <p:spPr/>
+        <p:txBody>
+          <a:bodyPr/>
+          <a:lstStyle/>
+          <a:p>
+            <a:r>
+              <a:rPr lang="ru-RU" dirty="0" smtClean="0"/>
+              <a:t>Результаты</a:t>
+            </a:r>
+            <a:endParaRPr lang="ru-RU" dirty="0"/>
+          </a:p>
+        </p:txBody>
+      </p:sp>
+      <p:sp>
+        <p:nvSpPr>
+          <p:cNvPr id="3" name="Объект 2"/>
+          <p:cNvSpPr>
+            <a:spLocks noGrp="1"/>
+          </p:cNvSpPr>
+          <p:nvPr>
+            <p:ph idx="1"/>
+          </p:nvPr>
+        </p:nvSpPr>
+        <p:spPr/>
+        <p:txBody>
+          <a:bodyPr/>
+          <a:lstStyle/>
+          <a:p>
+            <a:r>
+              <a:rPr lang="ru-RU" dirty="0" smtClean="0"/>
+              <a:t>За небольшое время обучения сеть начала генерировать</a:t>
+            </a:r>
+            <a:r>
+              <a:rPr lang="en-US" dirty="0" smtClean="0"/>
+              <a:t>:</a:t>
+            </a:r>
+          </a:p>
+          <a:p>
+            <a:r>
+              <a:rPr lang="ru-RU" dirty="0" smtClean="0"/>
+              <a:t>1. Имена и фамилии</a:t>
+            </a:r>
+          </a:p>
+          <a:p>
+            <a:r>
+              <a:rPr lang="ru-RU" dirty="0" smtClean="0"/>
+              <a:t>2. Даты рождения</a:t>
+            </a:r>
+          </a:p>
+          <a:p>
+            <a:r>
+              <a:rPr lang="ru-RU" dirty="0" smtClean="0"/>
+              <a:t>3. Номера телефонов</a:t>
+            </a:r>
+          </a:p>
+          <a:p>
+            <a:r>
+              <a:rPr lang="ru-RU" dirty="0" smtClean="0"/>
+              <a:t>4. Слова набранные в английской раскладке</a:t>
+            </a:r>
+          </a:p>
+          <a:p>
+            <a:r>
+              <a:rPr lang="ru-RU" dirty="0" smtClean="0"/>
+              <a:t>5. Имена</a:t>
+            </a:r>
+            <a:r>
+              <a:rPr lang="en-US" dirty="0" smtClean="0"/>
+              <a:t>\</a:t>
+            </a:r>
+            <a:r>
+              <a:rPr lang="ru-RU" dirty="0" smtClean="0"/>
+              <a:t>фамилии + даты рождения в разных форматах</a:t>
+            </a:r>
+            <a:endParaRPr lang="ru-RU" dirty="0"/>
+          </a:p>
+        </p:txBody>
+      </p:sp>
+    </p:spTree>
+    <p:extLst>
+      <p:ext uri="{BB962C8B-B14F-4D97-AF65-F5344CB8AC3E}">
+        <p14:creationId xmlns:p14="http://schemas.microsoft.com/office/powerpoint/2010/main" val="2571474430"/>
       </p:ext>
     </p:extLst>
   </p:cSld>
